--- a/papers/.ppt/TimeSeriesCV_08042024.pptx
+++ b/papers/.ppt/TimeSeriesCV_08042024.pptx
@@ -7,7 +7,11 @@
   <p:sldIdLst>
     <p:sldId id="256" r:id="rId2"/>
     <p:sldId id="310" r:id="rId3"/>
-    <p:sldId id="315" r:id="rId4"/>
+    <p:sldId id="319" r:id="rId4"/>
+    <p:sldId id="316" r:id="rId5"/>
+    <p:sldId id="317" r:id="rId6"/>
+    <p:sldId id="318" r:id="rId7"/>
+    <p:sldId id="315" r:id="rId8"/>
   </p:sldIdLst>
   <p:sldSz cx="12192000" cy="6858000"/>
   <p:notesSz cx="6858000" cy="9144000"/>
@@ -117,6 +121,10 @@
         <p14:section name="TimeSeriesCV" id="{8D69556F-16F5-4D7C-A215-23ED422FA0C0}">
           <p14:sldIdLst>
             <p14:sldId id="310"/>
+            <p14:sldId id="319"/>
+            <p14:sldId id="316"/>
+            <p14:sldId id="317"/>
+            <p14:sldId id="318"/>
             <p14:sldId id="315"/>
           </p14:sldIdLst>
         </p14:section>
@@ -3640,6 +3648,1065 @@
           <p:cNvPr id="2" name="Title 1">
             <a:extLst>
               <a:ext uri="{FF2B5EF4-FFF2-40B4-BE49-F238E27FC236}">
+                <a16:creationId xmlns:a16="http://schemas.microsoft.com/office/drawing/2014/main" id="{02B94B8B-731E-4732-AF63-40F8A9693907}"/>
+              </a:ext>
+            </a:extLst>
+          </p:cNvPr>
+          <p:cNvSpPr>
+            <a:spLocks noGrp="1"/>
+          </p:cNvSpPr>
+          <p:nvPr>
+            <p:ph type="title"/>
+          </p:nvPr>
+        </p:nvSpPr>
+        <p:spPr/>
+        <p:txBody>
+          <a:bodyPr/>
+          <a:lstStyle/>
+          <a:p>
+            <a:r>
+              <a:rPr lang="en-US" dirty="0"/>
+              <a:t>Dados </a:t>
+            </a:r>
+            <a:r>
+              <a:rPr lang="en-US" dirty="0" err="1"/>
+              <a:t>sintéticos</a:t>
+            </a:r>
+            <a:endParaRPr lang="en-US" dirty="0"/>
+          </a:p>
+        </p:txBody>
+      </p:sp>
+      <p:sp>
+        <p:nvSpPr>
+          <p:cNvPr id="3" name="Content Placeholder 2">
+            <a:extLst>
+              <a:ext uri="{FF2B5EF4-FFF2-40B4-BE49-F238E27FC236}">
+                <a16:creationId xmlns:a16="http://schemas.microsoft.com/office/drawing/2014/main" id="{2C229C47-1619-4C25-A7C0-84B3C55A0571}"/>
+              </a:ext>
+            </a:extLst>
+          </p:cNvPr>
+          <p:cNvSpPr>
+            <a:spLocks noGrp="1"/>
+          </p:cNvSpPr>
+          <p:nvPr>
+            <p:ph idx="1"/>
+          </p:nvPr>
+        </p:nvSpPr>
+        <p:spPr/>
+        <p:txBody>
+          <a:bodyPr/>
+          <a:lstStyle/>
+          <a:p>
+            <a:r>
+              <a:rPr lang="en-US" dirty="0" err="1"/>
+              <a:t>Todos</a:t>
+            </a:r>
+            <a:r>
+              <a:rPr lang="en-US" dirty="0"/>
+              <a:t> </a:t>
+            </a:r>
+            <a:r>
+              <a:rPr lang="en-US" dirty="0" err="1"/>
+              <a:t>os</a:t>
+            </a:r>
+            <a:r>
+              <a:rPr lang="en-US" dirty="0"/>
+              <a:t> </a:t>
+            </a:r>
+            <a:r>
+              <a:rPr lang="en-US" dirty="0" err="1"/>
+              <a:t>métodos</a:t>
+            </a:r>
+            <a:r>
+              <a:rPr lang="en-US" dirty="0"/>
+              <a:t> de </a:t>
+            </a:r>
+            <a:r>
+              <a:rPr lang="en-US" dirty="0" err="1"/>
+              <a:t>geração</a:t>
+            </a:r>
+            <a:r>
+              <a:rPr lang="en-US" dirty="0"/>
+              <a:t> de dados que </a:t>
+            </a:r>
+            <a:r>
+              <a:rPr lang="en-US" dirty="0" err="1"/>
+              <a:t>vamos</a:t>
+            </a:r>
+            <a:r>
+              <a:rPr lang="en-US" dirty="0"/>
+              <a:t> </a:t>
+            </a:r>
+            <a:r>
+              <a:rPr lang="en-US" dirty="0" err="1"/>
+              <a:t>utilizar</a:t>
+            </a:r>
+            <a:r>
+              <a:rPr lang="en-US" dirty="0"/>
+              <a:t> </a:t>
+            </a:r>
+            <a:r>
+              <a:rPr lang="en-US" dirty="0" err="1"/>
+              <a:t>estão</a:t>
+            </a:r>
+            <a:r>
+              <a:rPr lang="en-US" dirty="0"/>
+              <a:t> </a:t>
+            </a:r>
+            <a:r>
+              <a:rPr lang="en-US" dirty="0" err="1"/>
+              <a:t>implementados</a:t>
+            </a:r>
+            <a:endParaRPr lang="en-US" dirty="0"/>
+          </a:p>
+          <a:p>
+            <a:r>
+              <a:rPr lang="en-US" dirty="0"/>
+              <a:t>É </a:t>
+            </a:r>
+            <a:r>
+              <a:rPr lang="en-US" dirty="0" err="1"/>
+              <a:t>possível</a:t>
+            </a:r>
+            <a:r>
+              <a:rPr lang="en-US" dirty="0"/>
+              <a:t> que </a:t>
+            </a:r>
+            <a:r>
+              <a:rPr lang="en-US" dirty="0" err="1"/>
+              <a:t>haja</a:t>
+            </a:r>
+            <a:r>
+              <a:rPr lang="en-US" dirty="0"/>
+              <a:t> </a:t>
+            </a:r>
+            <a:r>
+              <a:rPr lang="en-US" dirty="0" err="1"/>
+              <a:t>uma</a:t>
+            </a:r>
+            <a:r>
+              <a:rPr lang="en-US" dirty="0"/>
+              <a:t> </a:t>
+            </a:r>
+            <a:r>
+              <a:rPr lang="en-US" dirty="0" err="1"/>
+              <a:t>reestruturação</a:t>
+            </a:r>
+            <a:r>
+              <a:rPr lang="en-US" dirty="0"/>
+              <a:t> / </a:t>
+            </a:r>
+            <a:r>
+              <a:rPr lang="en-US" dirty="0" err="1"/>
+              <a:t>reorganização</a:t>
+            </a:r>
+            <a:r>
+              <a:rPr lang="en-US" dirty="0"/>
+              <a:t> </a:t>
+            </a:r>
+            <a:r>
+              <a:rPr lang="en-US" dirty="0" err="1"/>
+              <a:t>destes</a:t>
+            </a:r>
+            <a:r>
+              <a:rPr lang="en-US" dirty="0"/>
+              <a:t> </a:t>
+            </a:r>
+            <a:r>
+              <a:rPr lang="en-US" dirty="0" err="1"/>
+              <a:t>métodos</a:t>
+            </a:r>
+            <a:r>
+              <a:rPr lang="en-US" dirty="0"/>
+              <a:t> se </a:t>
+            </a:r>
+            <a:r>
+              <a:rPr lang="en-US" dirty="0" err="1"/>
+              <a:t>se</a:t>
+            </a:r>
+            <a:r>
+              <a:rPr lang="en-US" dirty="0"/>
+              <a:t> </a:t>
+            </a:r>
+            <a:r>
+              <a:rPr lang="en-US" dirty="0" err="1"/>
+              <a:t>concluir</a:t>
+            </a:r>
+            <a:r>
+              <a:rPr lang="en-US" dirty="0"/>
+              <a:t> que </a:t>
+            </a:r>
+            <a:r>
+              <a:rPr lang="en-US" dirty="0" err="1"/>
+              <a:t>tal</a:t>
+            </a:r>
+            <a:r>
+              <a:rPr lang="en-US" dirty="0"/>
+              <a:t> </a:t>
+            </a:r>
+            <a:r>
+              <a:rPr lang="en-US" dirty="0" err="1"/>
+              <a:t>facilita</a:t>
+            </a:r>
+            <a:r>
+              <a:rPr lang="en-US" dirty="0"/>
+              <a:t> a </a:t>
+            </a:r>
+            <a:r>
+              <a:rPr lang="en-US" dirty="0" err="1"/>
+              <a:t>vida</a:t>
+            </a:r>
+            <a:r>
+              <a:rPr lang="en-US" dirty="0"/>
+              <a:t> </a:t>
+            </a:r>
+            <a:r>
+              <a:rPr lang="en-US" dirty="0" err="1"/>
+              <a:t>ao</a:t>
+            </a:r>
+            <a:r>
+              <a:rPr lang="en-US" dirty="0"/>
+              <a:t> </a:t>
+            </a:r>
+            <a:r>
+              <a:rPr lang="en-US" dirty="0" err="1"/>
+              <a:t>utilizador</a:t>
+            </a:r>
+            <a:r>
+              <a:rPr lang="en-US" dirty="0"/>
+              <a:t> (</a:t>
+            </a:r>
+            <a:r>
+              <a:rPr lang="en-US" dirty="0" err="1"/>
+              <a:t>nós</a:t>
+            </a:r>
+            <a:r>
+              <a:rPr lang="en-US" dirty="0"/>
+              <a:t> e </a:t>
+            </a:r>
+            <a:r>
+              <a:rPr lang="en-US" dirty="0" err="1"/>
+              <a:t>todos</a:t>
+            </a:r>
+            <a:r>
+              <a:rPr lang="en-US" dirty="0"/>
+              <a:t> </a:t>
+            </a:r>
+            <a:r>
+              <a:rPr lang="en-US" dirty="0" err="1"/>
+              <a:t>os</a:t>
+            </a:r>
+            <a:r>
+              <a:rPr lang="en-US" dirty="0"/>
+              <a:t> outros)</a:t>
+            </a:r>
+          </a:p>
+        </p:txBody>
+      </p:sp>
+    </p:spTree>
+    <p:extLst>
+      <p:ext uri="{BB962C8B-B14F-4D97-AF65-F5344CB8AC3E}">
+        <p14:creationId xmlns:p14="http://schemas.microsoft.com/office/powerpoint/2010/main" val="151954702"/>
+      </p:ext>
+    </p:extLst>
+  </p:cSld>
+  <p:clrMapOvr>
+    <a:masterClrMapping/>
+  </p:clrMapOvr>
+</p:sld>
+</file>
+
+<file path=ppt/slides/slide4.xml><?xml version="1.0" encoding="utf-8"?>
+<p:sld xmlns:a="http://schemas.openxmlformats.org/drawingml/2006/main" xmlns:r="http://schemas.openxmlformats.org/officeDocument/2006/relationships" xmlns:p="http://schemas.openxmlformats.org/presentationml/2006/main">
+  <p:cSld>
+    <p:spTree>
+      <p:nvGrpSpPr>
+        <p:cNvPr id="1" name=""/>
+        <p:cNvGrpSpPr/>
+        <p:nvPr/>
+      </p:nvGrpSpPr>
+      <p:grpSpPr>
+        <a:xfrm>
+          <a:off x="0" y="0"/>
+          <a:ext cx="0" cy="0"/>
+          <a:chOff x="0" y="0"/>
+          <a:chExt cx="0" cy="0"/>
+        </a:xfrm>
+      </p:grpSpPr>
+      <p:sp>
+        <p:nvSpPr>
+          <p:cNvPr id="2" name="Title 1">
+            <a:extLst>
+              <a:ext uri="{FF2B5EF4-FFF2-40B4-BE49-F238E27FC236}">
+                <a16:creationId xmlns:a16="http://schemas.microsoft.com/office/drawing/2014/main" id="{BE26E3CE-B9DA-458B-AA22-051D2E587883}"/>
+              </a:ext>
+            </a:extLst>
+          </p:cNvPr>
+          <p:cNvSpPr>
+            <a:spLocks noGrp="1"/>
+          </p:cNvSpPr>
+          <p:nvPr>
+            <p:ph type="title"/>
+          </p:nvPr>
+        </p:nvSpPr>
+        <p:spPr/>
+        <p:txBody>
+          <a:bodyPr/>
+          <a:lstStyle/>
+          <a:p>
+            <a:r>
+              <a:rPr lang="en-US" dirty="0"/>
+              <a:t>Dados reais</a:t>
+            </a:r>
+          </a:p>
+        </p:txBody>
+      </p:sp>
+      <p:sp>
+        <p:nvSpPr>
+          <p:cNvPr id="3" name="TextBox 2">
+            <a:extLst>
+              <a:ext uri="{FF2B5EF4-FFF2-40B4-BE49-F238E27FC236}">
+                <a16:creationId xmlns:a16="http://schemas.microsoft.com/office/drawing/2014/main" id="{3057EA7A-423B-4143-9095-96E0ADEBB68B}"/>
+              </a:ext>
+            </a:extLst>
+          </p:cNvPr>
+          <p:cNvSpPr txBox="1"/>
+          <p:nvPr/>
+        </p:nvSpPr>
+        <p:spPr>
+          <a:xfrm>
+            <a:off x="1258349" y="1895912"/>
+            <a:ext cx="2220160" cy="3046988"/>
+          </a:xfrm>
+          <a:prstGeom prst="rect">
+            <a:avLst/>
+          </a:prstGeom>
+          <a:noFill/>
+        </p:spPr>
+        <p:txBody>
+          <a:bodyPr wrap="none" rtlCol="0">
+            <a:spAutoFit/>
+          </a:bodyPr>
+          <a:lstStyle/>
+          <a:p>
+            <a:r>
+              <a:rPr lang="en-US" sz="2400" b="1" dirty="0" err="1"/>
+              <a:t>Domínios</a:t>
+            </a:r>
+            <a:r>
+              <a:rPr lang="en-US" sz="2400" dirty="0"/>
+              <a:t>:</a:t>
+            </a:r>
+          </a:p>
+          <a:p>
+            <a:pPr marL="342900" indent="-342900">
+              <a:buFont typeface="Arial" panose="020B0604020202020204" pitchFamily="34" charset="0"/>
+              <a:buChar char="•"/>
+            </a:pPr>
+            <a:r>
+              <a:rPr lang="en-US" sz="2400" dirty="0" err="1"/>
+              <a:t>Meteorologia</a:t>
+            </a:r>
+            <a:endParaRPr lang="en-US" sz="2400" dirty="0"/>
+          </a:p>
+          <a:p>
+            <a:pPr marL="342900" indent="-342900">
+              <a:buFont typeface="Arial" panose="020B0604020202020204" pitchFamily="34" charset="0"/>
+              <a:buChar char="•"/>
+            </a:pPr>
+            <a:r>
+              <a:rPr lang="en-US" sz="2400" dirty="0"/>
+              <a:t>Economia</a:t>
+            </a:r>
+          </a:p>
+          <a:p>
+            <a:pPr marL="342900" indent="-342900">
+              <a:buFont typeface="Arial" panose="020B0604020202020204" pitchFamily="34" charset="0"/>
+              <a:buChar char="•"/>
+            </a:pPr>
+            <a:r>
+              <a:rPr lang="en-US" sz="2400" dirty="0" err="1"/>
+              <a:t>Finanças</a:t>
+            </a:r>
+            <a:endParaRPr lang="en-US" sz="2400" dirty="0"/>
+          </a:p>
+          <a:p>
+            <a:pPr marL="342900" indent="-342900">
+              <a:buFont typeface="Arial" panose="020B0604020202020204" pitchFamily="34" charset="0"/>
+              <a:buChar char="•"/>
+            </a:pPr>
+            <a:r>
+              <a:rPr lang="en-US" sz="2400" dirty="0" err="1"/>
+              <a:t>Engenharia</a:t>
+            </a:r>
+            <a:endParaRPr lang="en-US" sz="2400" dirty="0"/>
+          </a:p>
+          <a:p>
+            <a:pPr marL="342900" indent="-342900">
+              <a:buFont typeface="Arial" panose="020B0604020202020204" pitchFamily="34" charset="0"/>
+              <a:buChar char="•"/>
+            </a:pPr>
+            <a:r>
+              <a:rPr lang="en-US" sz="2400" dirty="0" err="1"/>
+              <a:t>Energia</a:t>
+            </a:r>
+            <a:endParaRPr lang="en-US" sz="2400" dirty="0"/>
+          </a:p>
+          <a:p>
+            <a:pPr marL="342900" indent="-342900">
+              <a:buFont typeface="Arial" panose="020B0604020202020204" pitchFamily="34" charset="0"/>
+              <a:buChar char="•"/>
+            </a:pPr>
+            <a:r>
+              <a:rPr lang="en-US" sz="2400" dirty="0" err="1"/>
+              <a:t>Ambiente</a:t>
+            </a:r>
+            <a:endParaRPr lang="en-US" sz="2400" dirty="0"/>
+          </a:p>
+          <a:p>
+            <a:pPr marL="342900" indent="-342900">
+              <a:buFont typeface="Arial" panose="020B0604020202020204" pitchFamily="34" charset="0"/>
+              <a:buChar char="•"/>
+            </a:pPr>
+            <a:r>
+              <a:rPr lang="en-US" sz="2400" dirty="0" err="1"/>
+              <a:t>Miscelânea</a:t>
+            </a:r>
+            <a:endParaRPr lang="en-US" sz="2400" dirty="0"/>
+          </a:p>
+        </p:txBody>
+      </p:sp>
+      <p:sp>
+        <p:nvSpPr>
+          <p:cNvPr id="4" name="TextBox 3">
+            <a:extLst>
+              <a:ext uri="{FF2B5EF4-FFF2-40B4-BE49-F238E27FC236}">
+                <a16:creationId xmlns:a16="http://schemas.microsoft.com/office/drawing/2014/main" id="{717A8D9C-EF54-402B-B1D4-4C4A56010C10}"/>
+              </a:ext>
+            </a:extLst>
+          </p:cNvPr>
+          <p:cNvSpPr txBox="1"/>
+          <p:nvPr/>
+        </p:nvSpPr>
+        <p:spPr>
+          <a:xfrm>
+            <a:off x="6096000" y="3013501"/>
+            <a:ext cx="3307252" cy="830997"/>
+          </a:xfrm>
+          <a:prstGeom prst="rect">
+            <a:avLst/>
+          </a:prstGeom>
+          <a:noFill/>
+        </p:spPr>
+        <p:txBody>
+          <a:bodyPr wrap="none" rtlCol="0">
+            <a:spAutoFit/>
+          </a:bodyPr>
+          <a:lstStyle/>
+          <a:p>
+            <a:pPr algn="ctr"/>
+            <a:r>
+              <a:rPr lang="en-US" sz="2400" b="1" dirty="0"/>
+              <a:t>Tempos de </a:t>
+            </a:r>
+            <a:r>
+              <a:rPr lang="en-US" sz="2400" b="1" dirty="0" err="1"/>
+              <a:t>amostragem</a:t>
+            </a:r>
+            <a:r>
+              <a:rPr lang="en-US" sz="2400" dirty="0"/>
+              <a:t>:</a:t>
+            </a:r>
+          </a:p>
+          <a:p>
+            <a:pPr algn="ctr"/>
+            <a:r>
+              <a:rPr lang="en-US" sz="2400" dirty="0"/>
+              <a:t>1 us a mensal</a:t>
+            </a:r>
+          </a:p>
+        </p:txBody>
+      </p:sp>
+    </p:spTree>
+    <p:extLst>
+      <p:ext uri="{BB962C8B-B14F-4D97-AF65-F5344CB8AC3E}">
+        <p14:creationId xmlns:p14="http://schemas.microsoft.com/office/powerpoint/2010/main" val="605895559"/>
+      </p:ext>
+    </p:extLst>
+  </p:cSld>
+  <p:clrMapOvr>
+    <a:masterClrMapping/>
+  </p:clrMapOvr>
+</p:sld>
+</file>
+
+<file path=ppt/slides/slide5.xml><?xml version="1.0" encoding="utf-8"?>
+<p:sld xmlns:a="http://schemas.openxmlformats.org/drawingml/2006/main" xmlns:r="http://schemas.openxmlformats.org/officeDocument/2006/relationships" xmlns:p="http://schemas.openxmlformats.org/presentationml/2006/main">
+  <p:cSld>
+    <p:spTree>
+      <p:nvGrpSpPr>
+        <p:cNvPr id="1" name=""/>
+        <p:cNvGrpSpPr/>
+        <p:nvPr/>
+      </p:nvGrpSpPr>
+      <p:grpSpPr>
+        <a:xfrm>
+          <a:off x="0" y="0"/>
+          <a:ext cx="0" cy="0"/>
+          <a:chOff x="0" y="0"/>
+          <a:chExt cx="0" cy="0"/>
+        </a:xfrm>
+      </p:grpSpPr>
+      <p:sp>
+        <p:nvSpPr>
+          <p:cNvPr id="2" name="Title 1">
+            <a:extLst>
+              <a:ext uri="{FF2B5EF4-FFF2-40B4-BE49-F238E27FC236}">
+                <a16:creationId xmlns:a16="http://schemas.microsoft.com/office/drawing/2014/main" id="{4BF496DA-2801-47E0-9A0C-1CAC9283ED50}"/>
+              </a:ext>
+            </a:extLst>
+          </p:cNvPr>
+          <p:cNvSpPr>
+            <a:spLocks noGrp="1"/>
+          </p:cNvSpPr>
+          <p:nvPr>
+            <p:ph type="title"/>
+          </p:nvPr>
+        </p:nvSpPr>
+        <p:spPr/>
+        <p:txBody>
+          <a:bodyPr/>
+          <a:lstStyle/>
+          <a:p>
+            <a:r>
+              <a:rPr lang="en-US" dirty="0" err="1"/>
+              <a:t>Métodos</a:t>
+            </a:r>
+            <a:r>
+              <a:rPr lang="en-US" dirty="0"/>
+              <a:t> de </a:t>
+            </a:r>
+            <a:r>
+              <a:rPr lang="en-US" dirty="0" err="1"/>
+              <a:t>validação</a:t>
+            </a:r>
+            <a:endParaRPr lang="en-US" dirty="0"/>
+          </a:p>
+        </p:txBody>
+      </p:sp>
+      <p:sp>
+        <p:nvSpPr>
+          <p:cNvPr id="3" name="Content Placeholder 2">
+            <a:extLst>
+              <a:ext uri="{FF2B5EF4-FFF2-40B4-BE49-F238E27FC236}">
+                <a16:creationId xmlns:a16="http://schemas.microsoft.com/office/drawing/2014/main" id="{92E60FFE-2E7D-4DC4-BA4E-D41D1CED5BAA}"/>
+              </a:ext>
+            </a:extLst>
+          </p:cNvPr>
+          <p:cNvSpPr>
+            <a:spLocks noGrp="1"/>
+          </p:cNvSpPr>
+          <p:nvPr>
+            <p:ph idx="1"/>
+          </p:nvPr>
+        </p:nvSpPr>
+        <p:spPr/>
+        <p:txBody>
+          <a:bodyPr>
+            <a:normAutofit fontScale="92500" lnSpcReduction="20000"/>
+          </a:bodyPr>
+          <a:lstStyle/>
+          <a:p>
+            <a:pPr marL="0" indent="0">
+              <a:buNone/>
+            </a:pPr>
+            <a:r>
+              <a:rPr lang="en-US" dirty="0" err="1"/>
+              <a:t>Já</a:t>
+            </a:r>
+            <a:r>
+              <a:rPr lang="en-US" dirty="0"/>
+              <a:t> </a:t>
+            </a:r>
+            <a:r>
+              <a:rPr lang="en-US" dirty="0" err="1"/>
+              <a:t>implementados</a:t>
+            </a:r>
+            <a:r>
+              <a:rPr lang="en-US" dirty="0"/>
+              <a:t>:</a:t>
+            </a:r>
+          </a:p>
+          <a:p>
+            <a:r>
+              <a:rPr lang="en-US" dirty="0"/>
+              <a:t>Holdout</a:t>
+            </a:r>
+          </a:p>
+          <a:p>
+            <a:r>
+              <a:rPr lang="en-US" dirty="0"/>
+              <a:t>Repeated holdout (</a:t>
+            </a:r>
+            <a:r>
+              <a:rPr lang="en-US" dirty="0" err="1"/>
+              <a:t>parcialmente</a:t>
+            </a:r>
+            <a:r>
+              <a:rPr lang="en-US" dirty="0"/>
+              <a:t>)</a:t>
+            </a:r>
+          </a:p>
+          <a:p>
+            <a:endParaRPr lang="en-US" dirty="0"/>
+          </a:p>
+          <a:p>
+            <a:pPr marL="0" indent="0">
+              <a:buNone/>
+            </a:pPr>
+            <a:r>
+              <a:rPr lang="en-US" dirty="0"/>
+              <a:t>As classes </a:t>
+            </a:r>
+            <a:r>
+              <a:rPr lang="en-US" dirty="0" err="1"/>
+              <a:t>contêm</a:t>
+            </a:r>
+            <a:r>
+              <a:rPr lang="en-US" dirty="0"/>
+              <a:t> </a:t>
+            </a:r>
+            <a:r>
+              <a:rPr lang="en-US" dirty="0" err="1"/>
+              <a:t>os</a:t>
+            </a:r>
+            <a:r>
+              <a:rPr lang="en-US" dirty="0"/>
+              <a:t> </a:t>
+            </a:r>
+            <a:r>
+              <a:rPr lang="en-US" dirty="0" err="1"/>
+              <a:t>seguintes</a:t>
+            </a:r>
+            <a:r>
+              <a:rPr lang="en-US" dirty="0"/>
+              <a:t> </a:t>
+            </a:r>
+            <a:r>
+              <a:rPr lang="en-US" dirty="0" err="1"/>
+              <a:t>métodos</a:t>
+            </a:r>
+            <a:r>
+              <a:rPr lang="en-US" dirty="0"/>
+              <a:t>:</a:t>
+            </a:r>
+          </a:p>
+          <a:p>
+            <a:r>
+              <a:rPr lang="en-US" dirty="0"/>
+              <a:t>__</a:t>
+            </a:r>
+            <a:r>
+              <a:rPr lang="en-US" dirty="0" err="1"/>
+              <a:t>init</a:t>
+            </a:r>
+            <a:r>
+              <a:rPr lang="en-US" dirty="0"/>
+              <a:t>__</a:t>
+            </a:r>
+          </a:p>
+          <a:p>
+            <a:r>
+              <a:rPr lang="en-US" dirty="0" err="1"/>
+              <a:t>n_splits</a:t>
+            </a:r>
+            <a:endParaRPr lang="en-US" dirty="0"/>
+          </a:p>
+          <a:p>
+            <a:r>
+              <a:rPr lang="en-US" dirty="0"/>
+              <a:t>split</a:t>
+            </a:r>
+          </a:p>
+          <a:p>
+            <a:r>
+              <a:rPr lang="en-US" dirty="0"/>
+              <a:t>statistics</a:t>
+            </a:r>
+          </a:p>
+          <a:p>
+            <a:r>
+              <a:rPr lang="en-US" dirty="0"/>
+              <a:t>plot</a:t>
+            </a:r>
+          </a:p>
+        </p:txBody>
+      </p:sp>
+    </p:spTree>
+    <p:extLst>
+      <p:ext uri="{BB962C8B-B14F-4D97-AF65-F5344CB8AC3E}">
+        <p14:creationId xmlns:p14="http://schemas.microsoft.com/office/powerpoint/2010/main" val="4169885908"/>
+      </p:ext>
+    </p:extLst>
+  </p:cSld>
+  <p:clrMapOvr>
+    <a:masterClrMapping/>
+  </p:clrMapOvr>
+</p:sld>
+</file>
+
+<file path=ppt/slides/slide6.xml><?xml version="1.0" encoding="utf-8"?>
+<p:sld xmlns:a="http://schemas.openxmlformats.org/drawingml/2006/main" xmlns:r="http://schemas.openxmlformats.org/officeDocument/2006/relationships" xmlns:p="http://schemas.openxmlformats.org/presentationml/2006/main">
+  <p:cSld>
+    <p:spTree>
+      <p:nvGrpSpPr>
+        <p:cNvPr id="1" name=""/>
+        <p:cNvGrpSpPr/>
+        <p:nvPr/>
+      </p:nvGrpSpPr>
+      <p:grpSpPr>
+        <a:xfrm>
+          <a:off x="0" y="0"/>
+          <a:ext cx="0" cy="0"/>
+          <a:chOff x="0" y="0"/>
+          <a:chExt cx="0" cy="0"/>
+        </a:xfrm>
+      </p:grpSpPr>
+      <p:sp>
+        <p:nvSpPr>
+          <p:cNvPr id="2" name="Title 1">
+            <a:extLst>
+              <a:ext uri="{FF2B5EF4-FFF2-40B4-BE49-F238E27FC236}">
+                <a16:creationId xmlns:a16="http://schemas.microsoft.com/office/drawing/2014/main" id="{21126490-4A8F-425A-A212-F54ABC13412C}"/>
+              </a:ext>
+            </a:extLst>
+          </p:cNvPr>
+          <p:cNvSpPr>
+            <a:spLocks noGrp="1"/>
+          </p:cNvSpPr>
+          <p:nvPr>
+            <p:ph type="title"/>
+          </p:nvPr>
+        </p:nvSpPr>
+        <p:spPr/>
+        <p:txBody>
+          <a:bodyPr/>
+          <a:lstStyle/>
+          <a:p>
+            <a:r>
+              <a:rPr lang="en-US" dirty="0"/>
+              <a:t>Package</a:t>
+            </a:r>
+          </a:p>
+        </p:txBody>
+      </p:sp>
+      <p:sp>
+        <p:nvSpPr>
+          <p:cNvPr id="3" name="Content Placeholder 2">
+            <a:extLst>
+              <a:ext uri="{FF2B5EF4-FFF2-40B4-BE49-F238E27FC236}">
+                <a16:creationId xmlns:a16="http://schemas.microsoft.com/office/drawing/2014/main" id="{F874586D-3E86-43A9-BC0B-98B2E050E430}"/>
+              </a:ext>
+            </a:extLst>
+          </p:cNvPr>
+          <p:cNvSpPr>
+            <a:spLocks noGrp="1"/>
+          </p:cNvSpPr>
+          <p:nvPr>
+            <p:ph idx="1"/>
+          </p:nvPr>
+        </p:nvSpPr>
+        <p:spPr/>
+        <p:txBody>
+          <a:bodyPr/>
+          <a:lstStyle/>
+          <a:p>
+            <a:r>
+              <a:rPr lang="en-US" dirty="0" err="1"/>
+              <a:t>Ficheiro</a:t>
+            </a:r>
+            <a:r>
+              <a:rPr lang="en-US" dirty="0"/>
+              <a:t> de </a:t>
+            </a:r>
+            <a:r>
+              <a:rPr lang="en-US" dirty="0" err="1"/>
+              <a:t>instalação</a:t>
+            </a:r>
+            <a:r>
+              <a:rPr lang="en-US" dirty="0"/>
+              <a:t> / </a:t>
+            </a:r>
+            <a:r>
+              <a:rPr lang="en-US" dirty="0" err="1"/>
+              <a:t>configuração</a:t>
+            </a:r>
+            <a:r>
+              <a:rPr lang="en-US" dirty="0"/>
+              <a:t> </a:t>
+            </a:r>
+            <a:r>
+              <a:rPr lang="en-US" dirty="0" err="1"/>
+              <a:t>já</a:t>
+            </a:r>
+            <a:r>
+              <a:rPr lang="en-US" dirty="0"/>
+              <a:t> </a:t>
+            </a:r>
+            <a:r>
+              <a:rPr lang="en-US" dirty="0" err="1"/>
+              <a:t>tem</a:t>
+            </a:r>
+            <a:r>
+              <a:rPr lang="en-US" dirty="0"/>
+              <a:t> </a:t>
+            </a:r>
+            <a:r>
+              <a:rPr lang="en-US" dirty="0" err="1"/>
+              <a:t>uma</a:t>
+            </a:r>
+            <a:r>
+              <a:rPr lang="en-US" dirty="0"/>
+              <a:t> </a:t>
+            </a:r>
+            <a:r>
+              <a:rPr lang="en-US" dirty="0" err="1"/>
+              <a:t>versão</a:t>
+            </a:r>
+            <a:r>
+              <a:rPr lang="en-US" dirty="0"/>
+              <a:t> </a:t>
+            </a:r>
+            <a:r>
+              <a:rPr lang="en-US" dirty="0" err="1"/>
+              <a:t>preliminar</a:t>
+            </a:r>
+            <a:endParaRPr lang="en-US" dirty="0"/>
+          </a:p>
+          <a:p>
+            <a:r>
+              <a:rPr lang="en-US" dirty="0" err="1"/>
+              <a:t>Ligeira</a:t>
+            </a:r>
+            <a:r>
+              <a:rPr lang="en-US" dirty="0"/>
+              <a:t> </a:t>
+            </a:r>
+            <a:r>
+              <a:rPr lang="en-US" dirty="0" err="1"/>
+              <a:t>alteração</a:t>
+            </a:r>
+            <a:r>
+              <a:rPr lang="en-US" dirty="0"/>
+              <a:t> da </a:t>
+            </a:r>
+            <a:r>
+              <a:rPr lang="en-US" dirty="0" err="1"/>
+              <a:t>estrutura</a:t>
+            </a:r>
+            <a:r>
+              <a:rPr lang="en-US" dirty="0"/>
+              <a:t> da package</a:t>
+            </a:r>
+          </a:p>
+          <a:p>
+            <a:r>
+              <a:rPr lang="en-US" dirty="0" err="1"/>
+              <a:t>Outras</a:t>
+            </a:r>
+            <a:r>
+              <a:rPr lang="en-US" dirty="0"/>
+              <a:t> </a:t>
+            </a:r>
+            <a:r>
+              <a:rPr lang="en-US" dirty="0" err="1"/>
+              <a:t>funcionalidades</a:t>
+            </a:r>
+            <a:r>
+              <a:rPr lang="en-US" dirty="0"/>
+              <a:t> da package:</a:t>
+            </a:r>
+          </a:p>
+          <a:p>
+            <a:pPr lvl="1"/>
+            <a:r>
+              <a:rPr lang="en-US" dirty="0" err="1"/>
+              <a:t>Medidas</a:t>
+            </a:r>
+            <a:r>
+              <a:rPr lang="en-US" dirty="0"/>
+              <a:t> de </a:t>
+            </a:r>
+            <a:r>
+              <a:rPr lang="en-US" dirty="0" err="1"/>
+              <a:t>desempenho</a:t>
+            </a:r>
+            <a:r>
+              <a:rPr lang="en-US" dirty="0"/>
+              <a:t> para </a:t>
+            </a:r>
+            <a:r>
+              <a:rPr lang="en-US" dirty="0" err="1"/>
+              <a:t>métodos</a:t>
+            </a:r>
+            <a:r>
+              <a:rPr lang="en-US" dirty="0"/>
+              <a:t> de </a:t>
+            </a:r>
+            <a:r>
+              <a:rPr lang="en-US" dirty="0" err="1"/>
+              <a:t>validação</a:t>
+            </a:r>
+            <a:endParaRPr lang="en-US" dirty="0"/>
+          </a:p>
+          <a:p>
+            <a:pPr lvl="1"/>
+            <a:r>
+              <a:rPr lang="en-US" dirty="0" err="1"/>
+              <a:t>Funções</a:t>
+            </a:r>
+            <a:r>
+              <a:rPr lang="en-US" dirty="0"/>
+              <a:t> de interface com a package da Fraunhofer para </a:t>
+            </a:r>
+            <a:r>
+              <a:rPr lang="en-US" dirty="0" err="1"/>
+              <a:t>obter</a:t>
+            </a:r>
+            <a:r>
+              <a:rPr lang="en-US" dirty="0"/>
+              <a:t> </a:t>
+            </a:r>
+            <a:r>
+              <a:rPr lang="en-US" dirty="0" err="1"/>
+              <a:t>diretamente</a:t>
+            </a:r>
+            <a:r>
+              <a:rPr lang="en-US" dirty="0"/>
+              <a:t> </a:t>
+            </a:r>
+            <a:r>
+              <a:rPr lang="en-US" dirty="0" err="1"/>
+              <a:t>caraterísticas</a:t>
+            </a:r>
+            <a:r>
+              <a:rPr lang="en-US" dirty="0"/>
+              <a:t> das </a:t>
+            </a:r>
+            <a:r>
+              <a:rPr lang="en-US" dirty="0" err="1"/>
+              <a:t>séries</a:t>
+            </a:r>
+            <a:r>
+              <a:rPr lang="en-US" dirty="0"/>
+              <a:t> </a:t>
+            </a:r>
+            <a:r>
+              <a:rPr lang="en-US" dirty="0" err="1"/>
+              <a:t>temporais</a:t>
+            </a:r>
+            <a:endParaRPr lang="en-US" dirty="0"/>
+          </a:p>
+          <a:p>
+            <a:pPr lvl="1"/>
+            <a:r>
+              <a:rPr lang="en-US" dirty="0"/>
+              <a:t>Uma </a:t>
+            </a:r>
+            <a:r>
+              <a:rPr lang="en-US" dirty="0" err="1"/>
+              <a:t>ou</a:t>
+            </a:r>
+            <a:r>
+              <a:rPr lang="en-US" dirty="0"/>
+              <a:t> </a:t>
+            </a:r>
+            <a:r>
+              <a:rPr lang="en-US" dirty="0" err="1"/>
+              <a:t>outra</a:t>
+            </a:r>
+            <a:r>
+              <a:rPr lang="en-US" dirty="0"/>
+              <a:t> </a:t>
+            </a:r>
+            <a:r>
+              <a:rPr lang="en-US" dirty="0" err="1"/>
+              <a:t>funcionalidade</a:t>
+            </a:r>
+            <a:r>
+              <a:rPr lang="en-US" dirty="0"/>
+              <a:t> para </a:t>
+            </a:r>
+            <a:r>
+              <a:rPr lang="en-US" dirty="0" err="1"/>
+              <a:t>facilitar</a:t>
+            </a:r>
+            <a:r>
+              <a:rPr lang="en-US" dirty="0"/>
+              <a:t> a </a:t>
+            </a:r>
+            <a:r>
+              <a:rPr lang="en-US" dirty="0" err="1"/>
+              <a:t>vida</a:t>
+            </a:r>
+            <a:r>
+              <a:rPr lang="en-US" dirty="0"/>
+              <a:t> </a:t>
+            </a:r>
+            <a:r>
+              <a:rPr lang="en-US" dirty="0" err="1"/>
+              <a:t>ao</a:t>
+            </a:r>
+            <a:r>
+              <a:rPr lang="en-US" dirty="0"/>
+              <a:t> </a:t>
+            </a:r>
+            <a:r>
+              <a:rPr lang="en-US" dirty="0" err="1"/>
+              <a:t>utilizador</a:t>
+            </a:r>
+            <a:endParaRPr lang="en-US" dirty="0"/>
+          </a:p>
+          <a:p>
+            <a:endParaRPr lang="en-US" dirty="0"/>
+          </a:p>
+        </p:txBody>
+      </p:sp>
+    </p:spTree>
+    <p:extLst>
+      <p:ext uri="{BB962C8B-B14F-4D97-AF65-F5344CB8AC3E}">
+        <p14:creationId xmlns:p14="http://schemas.microsoft.com/office/powerpoint/2010/main" val="1425288952"/>
+      </p:ext>
+    </p:extLst>
+  </p:cSld>
+  <p:clrMapOvr>
+    <a:masterClrMapping/>
+  </p:clrMapOvr>
+</p:sld>
+</file>
+
+<file path=ppt/slides/slide7.xml><?xml version="1.0" encoding="utf-8"?>
+<p:sld xmlns:a="http://schemas.openxmlformats.org/drawingml/2006/main" xmlns:r="http://schemas.openxmlformats.org/officeDocument/2006/relationships" xmlns:p="http://schemas.openxmlformats.org/presentationml/2006/main">
+  <p:cSld>
+    <p:spTree>
+      <p:nvGrpSpPr>
+        <p:cNvPr id="1" name=""/>
+        <p:cNvGrpSpPr/>
+        <p:nvPr/>
+      </p:nvGrpSpPr>
+      <p:grpSpPr>
+        <a:xfrm>
+          <a:off x="0" y="0"/>
+          <a:ext cx="0" cy="0"/>
+          <a:chOff x="0" y="0"/>
+          <a:chExt cx="0" cy="0"/>
+        </a:xfrm>
+      </p:grpSpPr>
+      <p:sp>
+        <p:nvSpPr>
+          <p:cNvPr id="2" name="Title 1">
+            <a:extLst>
+              <a:ext uri="{FF2B5EF4-FFF2-40B4-BE49-F238E27FC236}">
                 <a16:creationId xmlns:a16="http://schemas.microsoft.com/office/drawing/2014/main" id="{BE26E3CE-B9DA-458B-AA22-051D2E587883}"/>
               </a:ext>
             </a:extLst>
